--- a/Deliverable8/Intro and persona.pptx
+++ b/Deliverable8/Intro and persona.pptx
@@ -5,15 +5,17 @@
     <p:sldMasterId id="2147483739" r:id="rId1"/>
   </p:sldMasterIdLst>
   <p:notesMasterIdLst>
-    <p:notesMasterId r:id="rId8"/>
+    <p:notesMasterId r:id="rId10"/>
   </p:notesMasterIdLst>
   <p:sldIdLst>
-    <p:sldId id="256" r:id="rId2"/>
-    <p:sldId id="257" r:id="rId3"/>
-    <p:sldId id="258" r:id="rId4"/>
-    <p:sldId id="259" r:id="rId5"/>
-    <p:sldId id="275" r:id="rId6"/>
-    <p:sldId id="276" r:id="rId7"/>
+    <p:sldId id="298" r:id="rId2"/>
+    <p:sldId id="258" r:id="rId3"/>
+    <p:sldId id="259" r:id="rId4"/>
+    <p:sldId id="275" r:id="rId5"/>
+    <p:sldId id="276" r:id="rId6"/>
+    <p:sldId id="297" r:id="rId7"/>
+    <p:sldId id="299" r:id="rId8"/>
+    <p:sldId id="301" r:id="rId9"/>
   </p:sldIdLst>
   <p:sldSz cx="12192000" cy="6858000"/>
   <p:notesSz cx="6858000" cy="9144000"/>
@@ -214,7 +216,7 @@
           <a:p>
             <a:fld id="{36145044-682F-4173-987C-0A0926376C86}" type="datetimeFigureOut">
               <a:rPr lang="en-US" smtClean="0"/>
-              <a:t>4/26/21</a:t>
+              <a:t>4/27/21</a:t>
             </a:fld>
             <a:endParaRPr lang="en-US"/>
           </a:p>
@@ -482,6 +484,90 @@
 </p:notesMaster>
 </file>
 
+<file path=ppt/notesSlides/notesSlide1.xml><?xml version="1.0" encoding="utf-8"?>
+<p:notes xmlns:a="http://schemas.openxmlformats.org/drawingml/2006/main" xmlns:r="http://schemas.openxmlformats.org/officeDocument/2006/relationships" xmlns:p="http://schemas.openxmlformats.org/presentationml/2006/main">
+  <p:cSld>
+    <p:spTree>
+      <p:nvGrpSpPr>
+        <p:cNvPr id="1" name=""/>
+        <p:cNvGrpSpPr/>
+        <p:nvPr/>
+      </p:nvGrpSpPr>
+      <p:grpSpPr>
+        <a:xfrm>
+          <a:off x="0" y="0"/>
+          <a:ext cx="0" cy="0"/>
+          <a:chOff x="0" y="0"/>
+          <a:chExt cx="0" cy="0"/>
+        </a:xfrm>
+      </p:grpSpPr>
+      <p:sp>
+        <p:nvSpPr>
+          <p:cNvPr id="2" name="幻灯片图像占位符 1"/>
+          <p:cNvSpPr>
+            <a:spLocks noGrp="1" noRot="1" noChangeAspect="1"/>
+          </p:cNvSpPr>
+          <p:nvPr>
+            <p:ph type="sldImg"/>
+          </p:nvPr>
+        </p:nvSpPr>
+        <p:spPr/>
+      </p:sp>
+      <p:sp>
+        <p:nvSpPr>
+          <p:cNvPr id="3" name="备注占位符 2"/>
+          <p:cNvSpPr>
+            <a:spLocks noGrp="1"/>
+          </p:cNvSpPr>
+          <p:nvPr>
+            <p:ph type="body" idx="1"/>
+          </p:nvPr>
+        </p:nvSpPr>
+        <p:spPr/>
+        <p:txBody>
+          <a:bodyPr/>
+          <a:lstStyle/>
+          <a:p>
+            <a:endParaRPr lang="en-US" dirty="0"/>
+          </a:p>
+        </p:txBody>
+      </p:sp>
+      <p:sp>
+        <p:nvSpPr>
+          <p:cNvPr id="4" name="灯片编号占位符 3"/>
+          <p:cNvSpPr>
+            <a:spLocks noGrp="1"/>
+          </p:cNvSpPr>
+          <p:nvPr>
+            <p:ph type="sldNum" sz="quarter" idx="10"/>
+          </p:nvPr>
+        </p:nvSpPr>
+        <p:spPr/>
+        <p:txBody>
+          <a:bodyPr/>
+          <a:lstStyle/>
+          <a:p>
+            <a:fld id="{0E6F3A73-1472-415B-9044-37FF5DCFBBC2}" type="slidenum">
+              <a:rPr lang="en-US" smtClean="0"/>
+              <a:t>7</a:t>
+            </a:fld>
+            <a:endParaRPr lang="en-US"/>
+          </a:p>
+        </p:txBody>
+      </p:sp>
+    </p:spTree>
+    <p:extLst>
+      <p:ext uri="{BB962C8B-B14F-4D97-AF65-F5344CB8AC3E}">
+        <p14:creationId xmlns:p14="http://schemas.microsoft.com/office/powerpoint/2010/main" val="4133783415"/>
+      </p:ext>
+    </p:extLst>
+  </p:cSld>
+  <p:clrMapOvr>
+    <a:masterClrMapping/>
+  </p:clrMapOvr>
+</p:notes>
+</file>
+
 <file path=ppt/slideLayouts/slideLayout1.xml><?xml version="1.0" encoding="utf-8"?>
 <p:sldLayout xmlns:a="http://schemas.openxmlformats.org/drawingml/2006/main" xmlns:r="http://schemas.openxmlformats.org/officeDocument/2006/relationships" xmlns:p="http://schemas.openxmlformats.org/presentationml/2006/main" type="title" preserve="1">
   <p:cSld name="Title Slide">
@@ -720,7 +806,7 @@
           <a:p>
             <a:fld id="{ED291B17-9318-49DB-B28B-6E5994AE9581}" type="datetime1">
               <a:rPr lang="en-US" smtClean="0"/>
-              <a:t>4/26/21</a:t>
+              <a:t>4/27/21</a:t>
             </a:fld>
             <a:endParaRPr lang="en-US" dirty="0"/>
           </a:p>
@@ -946,7 +1032,7 @@
           <a:p>
             <a:fld id="{ED291B17-9318-49DB-B28B-6E5994AE9581}" type="datetime1">
               <a:rPr lang="en-US" smtClean="0"/>
-              <a:t>4/26/21</a:t>
+              <a:t>4/27/21</a:t>
             </a:fld>
             <a:endParaRPr lang="en-US" dirty="0"/>
           </a:p>
@@ -1566,437 +1652,6 @@
 <file path=ppt/slides/slide1.xml><?xml version="1.0" encoding="utf-8"?>
 <p:sld xmlns:a="http://schemas.openxmlformats.org/drawingml/2006/main" xmlns:r="http://schemas.openxmlformats.org/officeDocument/2006/relationships" xmlns:p="http://schemas.openxmlformats.org/presentationml/2006/main">
   <p:cSld>
-    <p:spTree>
-      <p:nvGrpSpPr>
-        <p:cNvPr id="1" name=""/>
-        <p:cNvGrpSpPr/>
-        <p:nvPr/>
-      </p:nvGrpSpPr>
-      <p:grpSpPr>
-        <a:xfrm>
-          <a:off x="0" y="0"/>
-          <a:ext cx="0" cy="0"/>
-          <a:chOff x="0" y="0"/>
-          <a:chExt cx="0" cy="0"/>
-        </a:xfrm>
-      </p:grpSpPr>
-      <p:pic>
-        <p:nvPicPr>
-          <p:cNvPr id="24" name="Picture 3">
-            <a:extLst>
-              <a:ext uri="{FF2B5EF4-FFF2-40B4-BE49-F238E27FC236}">
-                <a16:creationId xmlns:a16="http://schemas.microsoft.com/office/drawing/2014/main" id="{3AC48EB3-33FF-483C-B7C4-88AFEDEC2EFB}"/>
-              </a:ext>
-            </a:extLst>
-          </p:cNvPr>
-          <p:cNvPicPr>
-            <a:picLocks noChangeAspect="1"/>
-          </p:cNvPicPr>
-          <p:nvPr/>
-        </p:nvPicPr>
-        <p:blipFill rotWithShape="1">
-          <a:blip r:embed="rId2"/>
-          <a:srcRect t="12590" b="3141"/>
-          <a:stretch/>
-        </p:blipFill>
-        <p:spPr>
-          <a:xfrm>
-            <a:off x="20" y="0"/>
-            <a:ext cx="12191980" cy="6857990"/>
-          </a:xfrm>
-          <a:prstGeom prst="rect">
-            <a:avLst/>
-          </a:prstGeom>
-        </p:spPr>
-      </p:pic>
-      <p:sp>
-        <p:nvSpPr>
-          <p:cNvPr id="2" name="Title 1">
-            <a:extLst>
-              <a:ext uri="{FF2B5EF4-FFF2-40B4-BE49-F238E27FC236}">
-                <a16:creationId xmlns:a16="http://schemas.microsoft.com/office/drawing/2014/main" id="{4377256C-06DF-46C3-AA0D-525A4EA0A983}"/>
-              </a:ext>
-            </a:extLst>
-          </p:cNvPr>
-          <p:cNvSpPr>
-            <a:spLocks noGrp="1"/>
-          </p:cNvSpPr>
-          <p:nvPr>
-            <p:ph type="ctrTitle"/>
-          </p:nvPr>
-        </p:nvSpPr>
-        <p:spPr>
-          <a:xfrm>
-            <a:off x="932661" y="442388"/>
-            <a:ext cx="4367392" cy="1188720"/>
-          </a:xfrm>
-        </p:spPr>
-        <p:txBody>
-          <a:bodyPr vert="horz" lIns="91440" tIns="45720" rIns="91440" bIns="45720" rtlCol="0" anchor="b">
-            <a:normAutofit/>
-          </a:bodyPr>
-          <a:lstStyle/>
-          <a:p>
-            <a:r>
-              <a:rPr lang="en-US" sz="2800" b="0" kern="1200" cap="all" dirty="0">
-                <a:solidFill>
-                  <a:srgbClr val="FFFFFF"/>
-                </a:solidFill>
-                <a:latin typeface="+mj-lt"/>
-                <a:ea typeface="+mj-ea"/>
-                <a:cs typeface="+mj-cs"/>
-              </a:rPr>
-              <a:t>PC builder web application</a:t>
-            </a:r>
-          </a:p>
-        </p:txBody>
-      </p:sp>
-      <p:sp>
-        <p:nvSpPr>
-          <p:cNvPr id="3" name="Subtitle 2">
-            <a:extLst>
-              <a:ext uri="{FF2B5EF4-FFF2-40B4-BE49-F238E27FC236}">
-                <a16:creationId xmlns:a16="http://schemas.microsoft.com/office/drawing/2014/main" id="{558D7CA6-F2C8-4269-AC4F-2D586E902973}"/>
-              </a:ext>
-            </a:extLst>
-          </p:cNvPr>
-          <p:cNvSpPr>
-            <a:spLocks noGrp="1"/>
-          </p:cNvSpPr>
-          <p:nvPr>
-            <p:ph type="subTitle" idx="1"/>
-          </p:nvPr>
-        </p:nvSpPr>
-        <p:spPr>
-          <a:xfrm>
-            <a:off x="835819" y="2214304"/>
-            <a:ext cx="4367392" cy="3527995"/>
-          </a:xfrm>
-        </p:spPr>
-        <p:txBody>
-          <a:bodyPr vert="horz" lIns="91440" tIns="45720" rIns="91440" bIns="45720" rtlCol="0" anchor="ctr">
-            <a:normAutofit fontScale="70000" lnSpcReduction="20000"/>
-          </a:bodyPr>
-          <a:lstStyle/>
-          <a:p>
-            <a:pPr>
-              <a:lnSpc>
-                <a:spcPct val="90000"/>
-              </a:lnSpc>
-              <a:buFont typeface="Wingdings 2" panose="05020102010507070707" pitchFamily="18" charset="2"/>
-              <a:buChar char=""/>
-            </a:pPr>
-            <a:r>
-              <a:rPr lang="en-US" sz="1700" dirty="0">
-                <a:solidFill>
-                  <a:srgbClr val="FFFFFF"/>
-                </a:solidFill>
-              </a:rPr>
-              <a:t>Team member:</a:t>
-            </a:r>
-          </a:p>
-          <a:p>
-            <a:pPr>
-              <a:lnSpc>
-                <a:spcPct val="90000"/>
-              </a:lnSpc>
-              <a:buFont typeface="Wingdings 2" panose="05020102010507070707" pitchFamily="18" charset="2"/>
-              <a:buChar char=""/>
-            </a:pPr>
-            <a:r>
-              <a:rPr lang="en-US" sz="2600" dirty="0">
-                <a:solidFill>
-                  <a:srgbClr val="FFFFFF"/>
-                </a:solidFill>
-              </a:rPr>
-              <a:t>Kevin Song</a:t>
-            </a:r>
-          </a:p>
-          <a:p>
-            <a:pPr>
-              <a:lnSpc>
-                <a:spcPct val="90000"/>
-              </a:lnSpc>
-              <a:buFont typeface="Wingdings 2" panose="05020102010507070707" pitchFamily="18" charset="2"/>
-              <a:buChar char=""/>
-            </a:pPr>
-            <a:r>
-              <a:rPr lang="en-US" sz="2600" dirty="0" err="1">
-                <a:solidFill>
-                  <a:srgbClr val="FFFFFF"/>
-                </a:solidFill>
-              </a:rPr>
-              <a:t>Siyuan</a:t>
-            </a:r>
-            <a:r>
-              <a:rPr lang="en-US" sz="2600" dirty="0">
-                <a:solidFill>
-                  <a:srgbClr val="FFFFFF"/>
-                </a:solidFill>
-              </a:rPr>
-              <a:t> He</a:t>
-            </a:r>
-          </a:p>
-          <a:p>
-            <a:pPr>
-              <a:lnSpc>
-                <a:spcPct val="90000"/>
-              </a:lnSpc>
-              <a:buFont typeface="Wingdings 2" panose="05020102010507070707" pitchFamily="18" charset="2"/>
-              <a:buChar char=""/>
-            </a:pPr>
-            <a:r>
-              <a:rPr lang="en-US" sz="2600" dirty="0">
-                <a:solidFill>
-                  <a:srgbClr val="FFFFFF"/>
-                </a:solidFill>
-              </a:rPr>
-              <a:t>Xu Zhang</a:t>
-            </a:r>
-          </a:p>
-          <a:p>
-            <a:pPr>
-              <a:lnSpc>
-                <a:spcPct val="90000"/>
-              </a:lnSpc>
-              <a:buFont typeface="Wingdings 2" panose="05020102010507070707" pitchFamily="18" charset="2"/>
-              <a:buChar char=""/>
-            </a:pPr>
-            <a:r>
-              <a:rPr lang="en-US" sz="2600" dirty="0" err="1">
-                <a:solidFill>
-                  <a:srgbClr val="FFFFFF"/>
-                </a:solidFill>
-              </a:rPr>
-              <a:t>Haimiao</a:t>
-            </a:r>
-            <a:r>
-              <a:rPr lang="en-US" sz="2600" dirty="0">
-                <a:solidFill>
-                  <a:srgbClr val="FFFFFF"/>
-                </a:solidFill>
-              </a:rPr>
-              <a:t> Yu</a:t>
-            </a:r>
-          </a:p>
-          <a:p>
-            <a:pPr>
-              <a:lnSpc>
-                <a:spcPct val="90000"/>
-              </a:lnSpc>
-              <a:buFont typeface="Wingdings 2" panose="05020102010507070707" pitchFamily="18" charset="2"/>
-              <a:buChar char=""/>
-            </a:pPr>
-            <a:r>
-              <a:rPr lang="en-US" sz="2600" dirty="0" err="1">
-                <a:solidFill>
-                  <a:srgbClr val="FFFFFF"/>
-                </a:solidFill>
-              </a:rPr>
-              <a:t>Chhanna</a:t>
-            </a:r>
-            <a:r>
-              <a:rPr lang="en-US" sz="2600" dirty="0">
-                <a:solidFill>
-                  <a:srgbClr val="FFFFFF"/>
-                </a:solidFill>
-              </a:rPr>
-              <a:t> </a:t>
-            </a:r>
-            <a:r>
-              <a:rPr lang="en-US" sz="2600" dirty="0" err="1">
-                <a:solidFill>
-                  <a:srgbClr val="FFFFFF"/>
-                </a:solidFill>
-              </a:rPr>
-              <a:t>Gaha</a:t>
-            </a:r>
-            <a:endParaRPr lang="en-US" sz="2600" dirty="0">
-              <a:solidFill>
-                <a:srgbClr val="FFFFFF"/>
-              </a:solidFill>
-            </a:endParaRPr>
-          </a:p>
-          <a:p>
-            <a:pPr>
-              <a:lnSpc>
-                <a:spcPct val="90000"/>
-              </a:lnSpc>
-              <a:buFont typeface="Wingdings 2" panose="05020102010507070707" pitchFamily="18" charset="2"/>
-              <a:buChar char=""/>
-            </a:pPr>
-            <a:r>
-              <a:rPr lang="en-US" sz="2600" dirty="0">
-                <a:solidFill>
-                  <a:srgbClr val="FFFFFF"/>
-                </a:solidFill>
-              </a:rPr>
-              <a:t>Sichao Liu</a:t>
-            </a:r>
-          </a:p>
-          <a:p>
-            <a:pPr>
-              <a:lnSpc>
-                <a:spcPct val="90000"/>
-              </a:lnSpc>
-              <a:buFont typeface="Wingdings 2" panose="05020102010507070707" pitchFamily="18" charset="2"/>
-              <a:buChar char=""/>
-            </a:pPr>
-            <a:endParaRPr lang="en-US" sz="2600" dirty="0">
-              <a:solidFill>
-                <a:srgbClr val="FFFFFF"/>
-              </a:solidFill>
-            </a:endParaRPr>
-          </a:p>
-          <a:p>
-            <a:pPr>
-              <a:lnSpc>
-                <a:spcPct val="90000"/>
-              </a:lnSpc>
-              <a:buFont typeface="Wingdings 2" panose="05020102010507070707" pitchFamily="18" charset="2"/>
-              <a:buChar char=""/>
-            </a:pPr>
-            <a:r>
-              <a:rPr lang="en-US" sz="2600" dirty="0">
-                <a:solidFill>
-                  <a:srgbClr val="FFFFFF"/>
-                </a:solidFill>
-              </a:rPr>
-              <a:t>Guided By: Professor Henry Wong</a:t>
-            </a:r>
-          </a:p>
-          <a:p>
-            <a:pPr>
-              <a:lnSpc>
-                <a:spcPct val="90000"/>
-              </a:lnSpc>
-              <a:buFont typeface="Wingdings 2" panose="05020102010507070707" pitchFamily="18" charset="2"/>
-              <a:buChar char=""/>
-            </a:pPr>
-            <a:r>
-              <a:rPr lang="en-US" sz="2600" dirty="0">
-                <a:solidFill>
-                  <a:srgbClr val="FFFFFF"/>
-                </a:solidFill>
-              </a:rPr>
-              <a:t>Deliverable</a:t>
-            </a:r>
-            <a:r>
-              <a:rPr lang="zh-CN" altLang="en-US" sz="2600" dirty="0">
-                <a:solidFill>
-                  <a:srgbClr val="FFFFFF"/>
-                </a:solidFill>
-              </a:rPr>
-              <a:t> </a:t>
-            </a:r>
-            <a:r>
-              <a:rPr lang="en-US" sz="2600" dirty="0">
-                <a:solidFill>
-                  <a:srgbClr val="FFFFFF"/>
-                </a:solidFill>
-              </a:rPr>
-              <a:t> VIII</a:t>
-            </a:r>
-          </a:p>
-          <a:p>
-            <a:pPr>
-              <a:lnSpc>
-                <a:spcPct val="90000"/>
-              </a:lnSpc>
-              <a:buFont typeface="Wingdings 2" panose="05020102010507070707" pitchFamily="18" charset="2"/>
-              <a:buChar char=""/>
-            </a:pPr>
-            <a:r>
-              <a:rPr lang="en-US" sz="2600" dirty="0">
-                <a:solidFill>
-                  <a:srgbClr val="FFFFFF"/>
-                </a:solidFill>
-              </a:rPr>
-              <a:t>Team Name: Dice </a:t>
-            </a:r>
-          </a:p>
-          <a:p>
-            <a:pPr>
-              <a:lnSpc>
-                <a:spcPct val="90000"/>
-              </a:lnSpc>
-              <a:buFont typeface="Wingdings 2" panose="05020102010507070707" pitchFamily="18" charset="2"/>
-              <a:buChar char=""/>
-            </a:pPr>
-            <a:endParaRPr lang="en-US" sz="1400" dirty="0">
-              <a:solidFill>
-                <a:srgbClr val="FFFFFF"/>
-              </a:solidFill>
-            </a:endParaRPr>
-          </a:p>
-          <a:p>
-            <a:pPr>
-              <a:lnSpc>
-                <a:spcPct val="90000"/>
-              </a:lnSpc>
-              <a:buFont typeface="Wingdings 2" panose="05020102010507070707" pitchFamily="18" charset="2"/>
-              <a:buChar char=""/>
-            </a:pPr>
-            <a:endParaRPr lang="en-US" sz="1400" dirty="0">
-              <a:solidFill>
-                <a:srgbClr val="FFFFFF"/>
-              </a:solidFill>
-            </a:endParaRPr>
-          </a:p>
-        </p:txBody>
-      </p:sp>
-      <p:pic>
-        <p:nvPicPr>
-          <p:cNvPr id="5" name="Picture 4" descr="A collage of a person&#10;&#10;Description automatically generated with medium confidence">
-            <a:extLst>
-              <a:ext uri="{FF2B5EF4-FFF2-40B4-BE49-F238E27FC236}">
-                <a16:creationId xmlns:a16="http://schemas.microsoft.com/office/drawing/2014/main" id="{7C51266B-34CC-1640-B0FE-DCF243DB18B7}"/>
-              </a:ext>
-            </a:extLst>
-          </p:cNvPr>
-          <p:cNvPicPr>
-            <a:picLocks noChangeAspect="1"/>
-          </p:cNvPicPr>
-          <p:nvPr/>
-        </p:nvPicPr>
-        <p:blipFill>
-          <a:blip r:embed="rId3">
-            <a:extLst>
-              <a:ext uri="{28A0092B-C50C-407E-A947-70E740481C1C}">
-                <a14:useLocalDpi xmlns:a14="http://schemas.microsoft.com/office/drawing/2010/main" val="0"/>
-              </a:ext>
-            </a:extLst>
-          </a:blip>
-          <a:stretch>
-            <a:fillRect/>
-          </a:stretch>
-        </p:blipFill>
-        <p:spPr>
-          <a:xfrm>
-            <a:off x="5524209" y="604757"/>
-            <a:ext cx="6648703" cy="5681321"/>
-          </a:xfrm>
-          <a:prstGeom prst="rect">
-            <a:avLst/>
-          </a:prstGeom>
-        </p:spPr>
-      </p:pic>
-    </p:spTree>
-    <p:extLst>
-      <p:ext uri="{BB962C8B-B14F-4D97-AF65-F5344CB8AC3E}">
-        <p14:creationId xmlns:p14="http://schemas.microsoft.com/office/powerpoint/2010/main" val="3437346638"/>
-      </p:ext>
-    </p:extLst>
-  </p:cSld>
-  <p:clrMapOvr>
-    <a:masterClrMapping/>
-  </p:clrMapOvr>
-</p:sld>
-</file>
-
-<file path=ppt/slides/slide2.xml><?xml version="1.0" encoding="utf-8"?>
-<p:sld xmlns:a="http://schemas.openxmlformats.org/drawingml/2006/main" xmlns:r="http://schemas.openxmlformats.org/officeDocument/2006/relationships" xmlns:p="http://schemas.openxmlformats.org/presentationml/2006/main">
-  <p:cSld>
     <p:bg>
       <p:bgPr>
         <a:solidFill>
@@ -2384,7 +2039,7 @@
     </p:spTree>
     <p:extLst>
       <p:ext uri="{BB962C8B-B14F-4D97-AF65-F5344CB8AC3E}">
-        <p14:creationId xmlns:p14="http://schemas.microsoft.com/office/powerpoint/2010/main" val="3106889737"/>
+        <p14:creationId xmlns:p14="http://schemas.microsoft.com/office/powerpoint/2010/main" val="1741683362"/>
       </p:ext>
     </p:extLst>
   </p:cSld>
@@ -2394,7 +2049,7 @@
 </p:sld>
 </file>
 
-<file path=ppt/slides/slide3.xml><?xml version="1.0" encoding="utf-8"?>
+<file path=ppt/slides/slide2.xml><?xml version="1.0" encoding="utf-8"?>
 <p:sld xmlns:a="http://schemas.openxmlformats.org/drawingml/2006/main" xmlns:r="http://schemas.openxmlformats.org/officeDocument/2006/relationships" xmlns:p="http://schemas.openxmlformats.org/presentationml/2006/main">
   <p:cSld>
     <p:spTree>
@@ -2563,7 +2218,7 @@
 </p:sld>
 </file>
 
-<file path=ppt/slides/slide4.xml><?xml version="1.0" encoding="utf-8"?>
+<file path=ppt/slides/slide3.xml><?xml version="1.0" encoding="utf-8"?>
 <p:sld xmlns:a="http://schemas.openxmlformats.org/drawingml/2006/main" xmlns:r="http://schemas.openxmlformats.org/officeDocument/2006/relationships" xmlns:p="http://schemas.openxmlformats.org/presentationml/2006/main">
   <p:cSld>
     <p:spTree>
@@ -2785,7 +2440,7 @@
 </p:sld>
 </file>
 
-<file path=ppt/slides/slide5.xml><?xml version="1.0" encoding="utf-8"?>
+<file path=ppt/slides/slide4.xml><?xml version="1.0" encoding="utf-8"?>
 <p:sld xmlns:a="http://schemas.openxmlformats.org/drawingml/2006/main" xmlns:r="http://schemas.openxmlformats.org/officeDocument/2006/relationships" xmlns:p="http://schemas.openxmlformats.org/presentationml/2006/main">
   <p:cSld>
     <p:spTree>
@@ -3136,7 +2791,7 @@
 </p:sld>
 </file>
 
-<file path=ppt/slides/slide6.xml><?xml version="1.0" encoding="utf-8"?>
+<file path=ppt/slides/slide5.xml><?xml version="1.0" encoding="utf-8"?>
 <p:sld xmlns:a="http://schemas.openxmlformats.org/drawingml/2006/main" xmlns:r="http://schemas.openxmlformats.org/officeDocument/2006/relationships" xmlns:p="http://schemas.openxmlformats.org/presentationml/2006/main">
   <p:cSld>
     <p:spTree>
@@ -3357,6 +3012,1162 @@
     <p:extLst>
       <p:ext uri="{BB962C8B-B14F-4D97-AF65-F5344CB8AC3E}">
         <p14:creationId xmlns:p14="http://schemas.microsoft.com/office/powerpoint/2010/main" val="2994720429"/>
+      </p:ext>
+    </p:extLst>
+  </p:cSld>
+  <p:clrMapOvr>
+    <a:masterClrMapping/>
+  </p:clrMapOvr>
+</p:sld>
+</file>
+
+<file path=ppt/slides/slide6.xml><?xml version="1.0" encoding="utf-8"?>
+<p:sld xmlns:a="http://schemas.openxmlformats.org/drawingml/2006/main" xmlns:r="http://schemas.openxmlformats.org/officeDocument/2006/relationships" xmlns:p="http://schemas.openxmlformats.org/presentationml/2006/main">
+  <p:cSld>
+    <p:bg>
+      <p:bgPr>
+        <a:gradFill flip="none" rotWithShape="1">
+          <a:gsLst>
+            <a:gs pos="0">
+              <a:schemeClr val="accent1">
+                <a:lumMod val="5000"/>
+                <a:lumOff val="95000"/>
+                <a:alpha val="98000"/>
+              </a:schemeClr>
+            </a:gs>
+            <a:gs pos="74000">
+              <a:schemeClr val="accent1">
+                <a:lumMod val="45000"/>
+                <a:lumOff val="55000"/>
+              </a:schemeClr>
+            </a:gs>
+            <a:gs pos="83000">
+              <a:schemeClr val="accent1">
+                <a:lumMod val="45000"/>
+                <a:lumOff val="55000"/>
+              </a:schemeClr>
+            </a:gs>
+            <a:gs pos="100000">
+              <a:schemeClr val="accent1">
+                <a:lumMod val="30000"/>
+                <a:lumOff val="70000"/>
+              </a:schemeClr>
+            </a:gs>
+          </a:gsLst>
+          <a:lin ang="2700000" scaled="1"/>
+          <a:tileRect/>
+        </a:gradFill>
+        <a:effectLst/>
+      </p:bgPr>
+    </p:bg>
+    <p:spTree>
+      <p:nvGrpSpPr>
+        <p:cNvPr id="1" name=""/>
+        <p:cNvGrpSpPr/>
+        <p:nvPr/>
+      </p:nvGrpSpPr>
+      <p:grpSpPr>
+        <a:xfrm>
+          <a:off x="0" y="0"/>
+          <a:ext cx="0" cy="0"/>
+          <a:chOff x="0" y="0"/>
+          <a:chExt cx="0" cy="0"/>
+        </a:xfrm>
+      </p:grpSpPr>
+      <p:sp>
+        <p:nvSpPr>
+          <p:cNvPr id="2" name="Title 1">
+            <a:extLst>
+              <a:ext uri="{FF2B5EF4-FFF2-40B4-BE49-F238E27FC236}">
+                <a16:creationId xmlns:a16="http://schemas.microsoft.com/office/drawing/2014/main" id="{6A3A193F-AEE9-437B-8C3F-4D7E7F079BFC}"/>
+              </a:ext>
+            </a:extLst>
+          </p:cNvPr>
+          <p:cNvSpPr>
+            <a:spLocks noGrp="1"/>
+          </p:cNvSpPr>
+          <p:nvPr>
+            <p:ph type="ctrTitle"/>
+          </p:nvPr>
+        </p:nvSpPr>
+        <p:spPr>
+          <a:xfrm>
+            <a:off x="581192" y="1009399"/>
+            <a:ext cx="6823988" cy="492436"/>
+          </a:xfrm>
+          <a:noFill/>
+        </p:spPr>
+        <p:txBody>
+          <a:bodyPr anchor="b">
+            <a:normAutofit fontScale="90000"/>
+          </a:bodyPr>
+          <a:lstStyle/>
+          <a:p>
+            <a:r>
+              <a:rPr lang="en-US" sz="6000" dirty="0">
+                <a:solidFill>
+                  <a:schemeClr val="tx1"/>
+                </a:solidFill>
+              </a:rPr>
+              <a:t>Retrospectives</a:t>
+            </a:r>
+          </a:p>
+        </p:txBody>
+      </p:sp>
+      <p:sp>
+        <p:nvSpPr>
+          <p:cNvPr id="4" name="Subtitle 3">
+            <a:extLst>
+              <a:ext uri="{FF2B5EF4-FFF2-40B4-BE49-F238E27FC236}">
+                <a16:creationId xmlns:a16="http://schemas.microsoft.com/office/drawing/2014/main" id="{6F86E8A0-4CA9-024B-B16B-848BCF74CD8F}"/>
+              </a:ext>
+            </a:extLst>
+          </p:cNvPr>
+          <p:cNvSpPr>
+            <a:spLocks noGrp="1"/>
+          </p:cNvSpPr>
+          <p:nvPr>
+            <p:ph type="subTitle" idx="1"/>
+          </p:nvPr>
+        </p:nvSpPr>
+        <p:spPr>
+          <a:xfrm>
+            <a:off x="0" y="1620983"/>
+            <a:ext cx="12192000" cy="5237018"/>
+          </a:xfrm>
+          <a:solidFill>
+            <a:schemeClr val="accent1"/>
+          </a:solidFill>
+        </p:spPr>
+        <p:txBody>
+          <a:bodyPr anchor="t">
+            <a:normAutofit lnSpcReduction="10000"/>
+          </a:bodyPr>
+          <a:lstStyle/>
+          <a:p>
+            <a:pPr>
+              <a:lnSpc>
+                <a:spcPct val="90000"/>
+              </a:lnSpc>
+            </a:pPr>
+            <a:r>
+              <a:rPr lang="en-US" sz="1800" cap="none" dirty="0">
+                <a:solidFill>
+                  <a:schemeClr val="tx1">
+                    <a:alpha val="60000"/>
+                  </a:schemeClr>
+                </a:solidFill>
+              </a:rPr>
+              <a:t>	</a:t>
+            </a:r>
+          </a:p>
+          <a:p>
+            <a:pPr>
+              <a:lnSpc>
+                <a:spcPct val="90000"/>
+              </a:lnSpc>
+            </a:pPr>
+            <a:r>
+              <a:rPr lang="en-US" sz="2000" b="1" cap="none" dirty="0">
+                <a:solidFill>
+                  <a:schemeClr val="tx1">
+                    <a:alpha val="60000"/>
+                  </a:schemeClr>
+                </a:solidFill>
+              </a:rPr>
+              <a:t>	</a:t>
+            </a:r>
+            <a:r>
+              <a:rPr lang="en-US" sz="2000" b="1" cap="none" dirty="0">
+                <a:solidFill>
+                  <a:schemeClr val="tx1"/>
+                </a:solidFill>
+              </a:rPr>
+              <a:t>What went well</a:t>
+            </a:r>
+          </a:p>
+          <a:p>
+            <a:pPr>
+              <a:lnSpc>
+                <a:spcPct val="90000"/>
+              </a:lnSpc>
+            </a:pPr>
+            <a:r>
+              <a:rPr lang="en-US" sz="1800" cap="none" dirty="0">
+                <a:solidFill>
+                  <a:schemeClr val="tx1"/>
+                </a:solidFill>
+              </a:rPr>
+              <a:t> 		-Communication among team members (5 votes)</a:t>
+            </a:r>
+          </a:p>
+          <a:p>
+            <a:pPr>
+              <a:lnSpc>
+                <a:spcPct val="90000"/>
+              </a:lnSpc>
+            </a:pPr>
+            <a:r>
+              <a:rPr lang="en-US" sz="1800" cap="none" dirty="0">
+                <a:solidFill>
+                  <a:schemeClr val="tx1"/>
+                </a:solidFill>
+              </a:rPr>
+              <a:t> 		-Team planning and participation (3 votes)</a:t>
+            </a:r>
+          </a:p>
+          <a:p>
+            <a:pPr>
+              <a:lnSpc>
+                <a:spcPct val="90000"/>
+              </a:lnSpc>
+            </a:pPr>
+            <a:endParaRPr lang="en-US" sz="1800" cap="none" dirty="0">
+              <a:solidFill>
+                <a:schemeClr val="tx1"/>
+              </a:solidFill>
+            </a:endParaRPr>
+          </a:p>
+          <a:p>
+            <a:pPr>
+              <a:lnSpc>
+                <a:spcPct val="90000"/>
+              </a:lnSpc>
+            </a:pPr>
+            <a:r>
+              <a:rPr lang="en-US" sz="1800" cap="none" dirty="0">
+                <a:solidFill>
+                  <a:schemeClr val="tx1"/>
+                </a:solidFill>
+              </a:rPr>
+              <a:t>	</a:t>
+            </a:r>
+            <a:r>
+              <a:rPr lang="en-US" sz="2000" b="1" cap="none" dirty="0">
+                <a:solidFill>
+                  <a:schemeClr val="tx1"/>
+                </a:solidFill>
+              </a:rPr>
+              <a:t>What needs improvement </a:t>
+            </a:r>
+          </a:p>
+          <a:p>
+            <a:pPr>
+              <a:lnSpc>
+                <a:spcPct val="90000"/>
+              </a:lnSpc>
+            </a:pPr>
+            <a:r>
+              <a:rPr lang="en-US" sz="1800" cap="none" dirty="0">
+                <a:solidFill>
+                  <a:schemeClr val="tx1"/>
+                </a:solidFill>
+              </a:rPr>
+              <a:t>  		-logging work consistently (4 votes)</a:t>
+            </a:r>
+          </a:p>
+          <a:p>
+            <a:pPr>
+              <a:lnSpc>
+                <a:spcPct val="90000"/>
+              </a:lnSpc>
+            </a:pPr>
+            <a:r>
+              <a:rPr lang="en-US" sz="1800" cap="none" dirty="0">
+                <a:solidFill>
+                  <a:schemeClr val="tx1"/>
+                </a:solidFill>
+              </a:rPr>
+              <a:t>  		-Time management (3 votes)</a:t>
+            </a:r>
+          </a:p>
+          <a:p>
+            <a:pPr>
+              <a:lnSpc>
+                <a:spcPct val="90000"/>
+              </a:lnSpc>
+            </a:pPr>
+            <a:endParaRPr lang="en-US" sz="1800" cap="none" dirty="0">
+              <a:solidFill>
+                <a:schemeClr val="tx1"/>
+              </a:solidFill>
+            </a:endParaRPr>
+          </a:p>
+          <a:p>
+            <a:pPr>
+              <a:lnSpc>
+                <a:spcPct val="90000"/>
+              </a:lnSpc>
+            </a:pPr>
+            <a:r>
+              <a:rPr lang="en-US" sz="2000" b="1" cap="none" dirty="0">
+                <a:solidFill>
+                  <a:schemeClr val="tx1"/>
+                </a:solidFill>
+              </a:rPr>
+              <a:t>	Next step</a:t>
+            </a:r>
+          </a:p>
+          <a:p>
+            <a:pPr>
+              <a:lnSpc>
+                <a:spcPct val="90000"/>
+              </a:lnSpc>
+            </a:pPr>
+            <a:r>
+              <a:rPr lang="en-US" sz="1800" cap="none" dirty="0">
+                <a:solidFill>
+                  <a:schemeClr val="tx1"/>
+                </a:solidFill>
+              </a:rPr>
+              <a:t> 		-</a:t>
+            </a:r>
+            <a:r>
+              <a:rPr lang="en-US" dirty="0">
+                <a:solidFill>
+                  <a:schemeClr val="tx1"/>
+                </a:solidFill>
+              </a:rPr>
+              <a:t> </a:t>
+            </a:r>
+            <a:r>
+              <a:rPr lang="en-US" sz="1800" cap="none" dirty="0">
+                <a:solidFill>
+                  <a:schemeClr val="tx1"/>
+                </a:solidFill>
+              </a:rPr>
+              <a:t>The best way to improve our time management is to log our daily activities. It will help eliminate focusing too much 			on less important task so that we can become more productive. (4 votes)</a:t>
+            </a:r>
+            <a:endParaRPr lang="en-US" sz="1800" dirty="0">
+              <a:solidFill>
+                <a:schemeClr val="tx1"/>
+              </a:solidFill>
+            </a:endParaRPr>
+          </a:p>
+          <a:p>
+            <a:pPr>
+              <a:lnSpc>
+                <a:spcPct val="90000"/>
+              </a:lnSpc>
+            </a:pPr>
+            <a:r>
+              <a:rPr lang="en-US" sz="1800" dirty="0">
+                <a:solidFill>
+                  <a:schemeClr val="tx1"/>
+                </a:solidFill>
+              </a:rPr>
+              <a:t>	</a:t>
+            </a:r>
+          </a:p>
+          <a:p>
+            <a:pPr>
+              <a:lnSpc>
+                <a:spcPct val="90000"/>
+              </a:lnSpc>
+            </a:pPr>
+            <a:r>
+              <a:rPr lang="en-US" sz="700" dirty="0">
+                <a:solidFill>
+                  <a:schemeClr val="tx1">
+                    <a:alpha val="60000"/>
+                  </a:schemeClr>
+                </a:solidFill>
+              </a:rPr>
+              <a:t> </a:t>
+            </a:r>
+          </a:p>
+          <a:p>
+            <a:pPr>
+              <a:lnSpc>
+                <a:spcPct val="90000"/>
+              </a:lnSpc>
+            </a:pPr>
+            <a:endParaRPr lang="en-US" sz="700" dirty="0">
+              <a:solidFill>
+                <a:schemeClr val="tx1">
+                  <a:alpha val="60000"/>
+                </a:schemeClr>
+              </a:solidFill>
+            </a:endParaRPr>
+          </a:p>
+          <a:p>
+            <a:pPr>
+              <a:lnSpc>
+                <a:spcPct val="90000"/>
+              </a:lnSpc>
+            </a:pPr>
+            <a:r>
+              <a:rPr lang="en-US" sz="700" dirty="0">
+                <a:solidFill>
+                  <a:schemeClr val="tx1">
+                    <a:alpha val="60000"/>
+                  </a:schemeClr>
+                </a:solidFill>
+              </a:rPr>
+              <a:t>  </a:t>
+            </a:r>
+          </a:p>
+        </p:txBody>
+      </p:sp>
+    </p:spTree>
+    <p:extLst>
+      <p:ext uri="{BB962C8B-B14F-4D97-AF65-F5344CB8AC3E}">
+        <p14:creationId xmlns:p14="http://schemas.microsoft.com/office/powerpoint/2010/main" val="4013746970"/>
+      </p:ext>
+    </p:extLst>
+  </p:cSld>
+  <p:clrMapOvr>
+    <a:masterClrMapping/>
+  </p:clrMapOvr>
+</p:sld>
+</file>
+
+<file path=ppt/slides/slide7.xml><?xml version="1.0" encoding="utf-8"?>
+<p:sld xmlns:a="http://schemas.openxmlformats.org/drawingml/2006/main" xmlns:r="http://schemas.openxmlformats.org/officeDocument/2006/relationships" xmlns:p="http://schemas.openxmlformats.org/presentationml/2006/main">
+  <p:cSld>
+    <p:spTree>
+      <p:nvGrpSpPr>
+        <p:cNvPr id="1" name=""/>
+        <p:cNvGrpSpPr/>
+        <p:nvPr/>
+      </p:nvGrpSpPr>
+      <p:grpSpPr>
+        <a:xfrm>
+          <a:off x="0" y="0"/>
+          <a:ext cx="0" cy="0"/>
+          <a:chOff x="0" y="0"/>
+          <a:chExt cx="0" cy="0"/>
+        </a:xfrm>
+      </p:grpSpPr>
+      <p:sp>
+        <p:nvSpPr>
+          <p:cNvPr id="6" name="TextBox 5">
+            <a:extLst>
+              <a:ext uri="{FF2B5EF4-FFF2-40B4-BE49-F238E27FC236}">
+                <a16:creationId xmlns:a16="http://schemas.microsoft.com/office/drawing/2014/main" id="{C9441A13-ACB5-4F63-8828-44062BF47193}"/>
+              </a:ext>
+            </a:extLst>
+          </p:cNvPr>
+          <p:cNvSpPr txBox="1"/>
+          <p:nvPr/>
+        </p:nvSpPr>
+        <p:spPr>
+          <a:xfrm>
+            <a:off x="690903" y="1857828"/>
+            <a:ext cx="3412067" cy="2462385"/>
+          </a:xfrm>
+          <a:prstGeom prst="rect">
+            <a:avLst/>
+          </a:prstGeom>
+        </p:spPr>
+        <p:txBody>
+          <a:bodyPr vert="horz" lIns="91440" tIns="45720" rIns="91440" bIns="45720" rtlCol="0" anchor="b">
+            <a:normAutofit/>
+          </a:bodyPr>
+          <a:lstStyle/>
+          <a:p>
+            <a:pPr defTabSz="457200">
+              <a:spcBef>
+                <a:spcPct val="0"/>
+              </a:spcBef>
+              <a:spcAft>
+                <a:spcPts val="600"/>
+              </a:spcAft>
+            </a:pPr>
+            <a:r>
+              <a:rPr lang="en-US" sz="2400" cap="all" dirty="0">
+                <a:solidFill>
+                  <a:srgbClr val="FFFFFF"/>
+                </a:solidFill>
+                <a:latin typeface="+mj-lt"/>
+                <a:ea typeface="+mj-ea"/>
+                <a:cs typeface="+mj-cs"/>
+              </a:rPr>
+              <a:t>BURNDOWN CHART </a:t>
+            </a:r>
+          </a:p>
+          <a:p>
+            <a:pPr defTabSz="457200">
+              <a:spcBef>
+                <a:spcPct val="0"/>
+              </a:spcBef>
+              <a:spcAft>
+                <a:spcPts val="600"/>
+              </a:spcAft>
+            </a:pPr>
+            <a:endParaRPr lang="en-US" sz="3600" cap="all" dirty="0">
+              <a:solidFill>
+                <a:srgbClr val="FFFFFF"/>
+              </a:solidFill>
+              <a:latin typeface="+mj-lt"/>
+              <a:ea typeface="+mj-ea"/>
+              <a:cs typeface="+mj-cs"/>
+            </a:endParaRPr>
+          </a:p>
+        </p:txBody>
+      </p:sp>
+      <p:sp useBgFill="1">
+        <p:nvSpPr>
+          <p:cNvPr id="8" name="Rectangle 27">
+            <a:extLst>
+              <a:ext uri="{FF2B5EF4-FFF2-40B4-BE49-F238E27FC236}">
+                <a16:creationId xmlns:a16="http://schemas.microsoft.com/office/drawing/2014/main" id="{26B4480E-B7FF-4481-890E-043A69AE6FE2}"/>
+              </a:ext>
+              <a:ext uri="{C183D7F6-B498-43B3-948B-1728B52AA6E4}">
+                <adec:decorative xmlns:adec="http://schemas.microsoft.com/office/drawing/2017/decorative" val="1"/>
+              </a:ext>
+            </a:extLst>
+          </p:cNvPr>
+          <p:cNvSpPr>
+            <a:spLocks noGrp="1" noRot="1" noChangeAspect="1" noMove="1" noResize="1" noEditPoints="1" noAdjustHandles="1" noChangeArrowheads="1" noChangeShapeType="1" noTextEdit="1"/>
+          </p:cNvSpPr>
+          <p:nvPr>
+            <p:extLst>
+              <p:ext uri="{386F3935-93C4-4BCD-93E2-E3B085C9AB24}">
+                <p16:designElem xmlns:p16="http://schemas.microsoft.com/office/powerpoint/2015/main" val="1"/>
+              </p:ext>
+            </p:extLst>
+          </p:nvPr>
+        </p:nvSpPr>
+        <p:spPr>
+          <a:xfrm>
+            <a:off x="0" y="0"/>
+            <a:ext cx="12192000" cy="6858000"/>
+          </a:xfrm>
+          <a:prstGeom prst="rect">
+            <a:avLst/>
+          </a:prstGeom>
+          <a:ln>
+            <a:noFill/>
+          </a:ln>
+        </p:spPr>
+        <p:style>
+          <a:lnRef idx="2">
+            <a:schemeClr val="accent1">
+              <a:shade val="50000"/>
+            </a:schemeClr>
+          </a:lnRef>
+          <a:fillRef idx="1">
+            <a:schemeClr val="accent1"/>
+          </a:fillRef>
+          <a:effectRef idx="0">
+            <a:schemeClr val="accent1"/>
+          </a:effectRef>
+          <a:fontRef idx="minor">
+            <a:schemeClr val="lt1"/>
+          </a:fontRef>
+        </p:style>
+        <p:txBody>
+          <a:bodyPr rtlCol="0" anchor="ctr"/>
+          <a:lstStyle/>
+          <a:p>
+            <a:pPr algn="ctr"/>
+            <a:endParaRPr lang="en-US"/>
+          </a:p>
+        </p:txBody>
+      </p:sp>
+      <p:grpSp>
+        <p:nvGrpSpPr>
+          <p:cNvPr id="9" name="Group 29">
+            <a:extLst>
+              <a:ext uri="{FF2B5EF4-FFF2-40B4-BE49-F238E27FC236}">
+                <a16:creationId xmlns:a16="http://schemas.microsoft.com/office/drawing/2014/main" id="{79394E1F-0B5F-497D-B2A6-8383A2A54834}"/>
+              </a:ext>
+              <a:ext uri="{C183D7F6-B498-43B3-948B-1728B52AA6E4}">
+                <adec:decorative xmlns:adec="http://schemas.microsoft.com/office/drawing/2017/decorative" val="1"/>
+              </a:ext>
+            </a:extLst>
+          </p:cNvPr>
+          <p:cNvGrpSpPr>
+            <a:grpSpLocks noGrp="1" noUngrp="1" noRot="1" noChangeAspect="1" noMove="1" noResize="1"/>
+          </p:cNvGrpSpPr>
+          <p:nvPr>
+            <p:extLst>
+              <p:ext uri="{386F3935-93C4-4BCD-93E2-E3B085C9AB24}">
+                <p16:designElem xmlns:p16="http://schemas.microsoft.com/office/powerpoint/2015/main" val="1"/>
+              </p:ext>
+            </p:extLst>
+          </p:nvPr>
+        </p:nvGrpSpPr>
+        <p:grpSpPr>
+          <a:xfrm>
+            <a:off x="438068" y="457200"/>
+            <a:ext cx="3703320" cy="5935133"/>
+            <a:chOff x="438068" y="457200"/>
+            <a:chExt cx="3703320" cy="5935133"/>
+          </a:xfrm>
+        </p:grpSpPr>
+        <p:sp>
+          <p:nvSpPr>
+            <p:cNvPr id="10" name="Rectangle 30">
+              <a:extLst>
+                <a:ext uri="{FF2B5EF4-FFF2-40B4-BE49-F238E27FC236}">
+                  <a16:creationId xmlns:a16="http://schemas.microsoft.com/office/drawing/2014/main" id="{1F1FF39A-AC3C-4066-9D4C-519AA22812EA}"/>
+                </a:ext>
+                <a:ext uri="{C183D7F6-B498-43B3-948B-1728B52AA6E4}">
+                  <adec:decorative xmlns:adec="http://schemas.microsoft.com/office/drawing/2017/decorative" val="1"/>
+                </a:ext>
+              </a:extLst>
+            </p:cNvPr>
+            <p:cNvSpPr/>
+            <p:nvPr>
+              <p:extLst>
+                <p:ext uri="{386F3935-93C4-4BCD-93E2-E3B085C9AB24}">
+                  <p16:designElem xmlns:p16="http://schemas.microsoft.com/office/powerpoint/2015/main" val="1"/>
+                </p:ext>
+              </p:extLst>
+            </p:nvPr>
+          </p:nvSpPr>
+          <p:spPr>
+            <a:xfrm>
+              <a:off x="438068" y="601201"/>
+              <a:ext cx="3702134" cy="5791132"/>
+            </a:xfrm>
+            <a:prstGeom prst="rect">
+              <a:avLst/>
+            </a:prstGeom>
+            <a:solidFill>
+              <a:srgbClr val="465359">
+                <a:alpha val="97000"/>
+              </a:srgbClr>
+            </a:solidFill>
+            <a:ln w="6350" cmpd="sng">
+              <a:noFill/>
+            </a:ln>
+            <a:effectLst/>
+          </p:spPr>
+          <p:style>
+            <a:lnRef idx="1">
+              <a:schemeClr val="accent1"/>
+            </a:lnRef>
+            <a:fillRef idx="3">
+              <a:schemeClr val="accent1"/>
+            </a:fillRef>
+            <a:effectRef idx="2">
+              <a:schemeClr val="accent1"/>
+            </a:effectRef>
+            <a:fontRef idx="minor">
+              <a:schemeClr val="lt1"/>
+            </a:fontRef>
+          </p:style>
+        </p:sp>
+        <p:sp>
+          <p:nvSpPr>
+            <p:cNvPr id="11" name="Rectangle 31">
+              <a:extLst>
+                <a:ext uri="{FF2B5EF4-FFF2-40B4-BE49-F238E27FC236}">
+                  <a16:creationId xmlns:a16="http://schemas.microsoft.com/office/drawing/2014/main" id="{64C13BAB-7C00-4D21-A857-E3D41C0A2A66}"/>
+                </a:ext>
+                <a:ext uri="{C183D7F6-B498-43B3-948B-1728B52AA6E4}">
+                  <adec:decorative xmlns:adec="http://schemas.microsoft.com/office/drawing/2017/decorative" val="1"/>
+                </a:ext>
+              </a:extLst>
+            </p:cNvPr>
+            <p:cNvSpPr/>
+            <p:nvPr>
+              <p:extLst>
+                <p:ext uri="{386F3935-93C4-4BCD-93E2-E3B085C9AB24}">
+                  <p16:designElem xmlns:p16="http://schemas.microsoft.com/office/powerpoint/2015/main" val="1"/>
+                </p:ext>
+              </p:extLst>
+            </p:nvPr>
+          </p:nvSpPr>
+          <p:spPr>
+            <a:xfrm>
+              <a:off x="438068" y="457200"/>
+              <a:ext cx="3703320" cy="94997"/>
+            </a:xfrm>
+            <a:prstGeom prst="rect">
+              <a:avLst/>
+            </a:prstGeom>
+            <a:solidFill>
+              <a:srgbClr val="465359"/>
+            </a:solidFill>
+            <a:ln>
+              <a:noFill/>
+            </a:ln>
+            <a:effectLst/>
+          </p:spPr>
+          <p:style>
+            <a:lnRef idx="1">
+              <a:schemeClr val="accent1"/>
+            </a:lnRef>
+            <a:fillRef idx="3">
+              <a:schemeClr val="accent1"/>
+            </a:fillRef>
+            <a:effectRef idx="2">
+              <a:schemeClr val="accent1"/>
+            </a:effectRef>
+            <a:fontRef idx="minor">
+              <a:schemeClr val="lt1"/>
+            </a:fontRef>
+          </p:style>
+        </p:sp>
+      </p:grpSp>
+      <p:sp>
+        <p:nvSpPr>
+          <p:cNvPr id="12" name="TextBox 5">
+            <a:extLst>
+              <a:ext uri="{FF2B5EF4-FFF2-40B4-BE49-F238E27FC236}">
+                <a16:creationId xmlns:a16="http://schemas.microsoft.com/office/drawing/2014/main" id="{C9441A13-ACB5-4F63-8828-44062BF47193}"/>
+              </a:ext>
+            </a:extLst>
+          </p:cNvPr>
+          <p:cNvSpPr txBox="1"/>
+          <p:nvPr/>
+        </p:nvSpPr>
+        <p:spPr>
+          <a:xfrm>
+            <a:off x="690903" y="1857828"/>
+            <a:ext cx="3412067" cy="2462385"/>
+          </a:xfrm>
+          <a:prstGeom prst="rect">
+            <a:avLst/>
+          </a:prstGeom>
+        </p:spPr>
+        <p:txBody>
+          <a:bodyPr vert="horz" lIns="91440" tIns="45720" rIns="91440" bIns="45720" rtlCol="0" anchor="b">
+            <a:normAutofit/>
+          </a:bodyPr>
+          <a:lstStyle/>
+          <a:p>
+            <a:pPr defTabSz="457200">
+              <a:spcBef>
+                <a:spcPct val="0"/>
+              </a:spcBef>
+              <a:spcAft>
+                <a:spcPts val="600"/>
+              </a:spcAft>
+            </a:pPr>
+            <a:r>
+              <a:rPr lang="en-US" sz="2400" cap="all" dirty="0">
+                <a:solidFill>
+                  <a:srgbClr val="FFFFFF"/>
+                </a:solidFill>
+                <a:latin typeface="+mj-lt"/>
+                <a:ea typeface="+mj-ea"/>
+                <a:cs typeface="+mj-cs"/>
+              </a:rPr>
+              <a:t>BURNDOWN CHART </a:t>
+            </a:r>
+          </a:p>
+          <a:p>
+            <a:pPr defTabSz="457200">
+              <a:spcBef>
+                <a:spcPct val="0"/>
+              </a:spcBef>
+              <a:spcAft>
+                <a:spcPts val="600"/>
+              </a:spcAft>
+            </a:pPr>
+            <a:endParaRPr lang="en-US" sz="3600" cap="all" dirty="0">
+              <a:solidFill>
+                <a:srgbClr val="FFFFFF"/>
+              </a:solidFill>
+              <a:latin typeface="+mj-lt"/>
+              <a:ea typeface="+mj-ea"/>
+              <a:cs typeface="+mj-cs"/>
+            </a:endParaRPr>
+          </a:p>
+        </p:txBody>
+      </p:sp>
+      <p:pic>
+        <p:nvPicPr>
+          <p:cNvPr id="3" name="图片 2"/>
+          <p:cNvPicPr>
+            <a:picLocks noChangeAspect="1"/>
+          </p:cNvPicPr>
+          <p:nvPr/>
+        </p:nvPicPr>
+        <p:blipFill>
+          <a:blip r:embed="rId3">
+            <a:extLst>
+              <a:ext uri="{28A0092B-C50C-407E-A947-70E740481C1C}">
+                <a14:useLocalDpi xmlns:a14="http://schemas.microsoft.com/office/drawing/2010/main" val="0"/>
+              </a:ext>
+            </a:extLst>
+          </a:blip>
+          <a:stretch>
+            <a:fillRect/>
+          </a:stretch>
+        </p:blipFill>
+        <p:spPr>
+          <a:xfrm>
+            <a:off x="4524499" y="1698754"/>
+            <a:ext cx="7347395" cy="3609516"/>
+          </a:xfrm>
+          <a:prstGeom prst="rect">
+            <a:avLst/>
+          </a:prstGeom>
+        </p:spPr>
+      </p:pic>
+    </p:spTree>
+    <p:extLst>
+      <p:ext uri="{BB962C8B-B14F-4D97-AF65-F5344CB8AC3E}">
+        <p14:creationId xmlns:p14="http://schemas.microsoft.com/office/powerpoint/2010/main" val="2064469307"/>
+      </p:ext>
+    </p:extLst>
+  </p:cSld>
+  <p:clrMapOvr>
+    <a:masterClrMapping/>
+  </p:clrMapOvr>
+</p:sld>
+</file>
+
+<file path=ppt/slides/slide8.xml><?xml version="1.0" encoding="utf-8"?>
+<p:sld xmlns:a="http://schemas.openxmlformats.org/drawingml/2006/main" xmlns:r="http://schemas.openxmlformats.org/officeDocument/2006/relationships" xmlns:p="http://schemas.openxmlformats.org/presentationml/2006/main">
+  <p:cSld>
+    <p:spTree>
+      <p:nvGrpSpPr>
+        <p:cNvPr id="1" name=""/>
+        <p:cNvGrpSpPr/>
+        <p:nvPr/>
+      </p:nvGrpSpPr>
+      <p:grpSpPr>
+        <a:xfrm>
+          <a:off x="0" y="0"/>
+          <a:ext cx="0" cy="0"/>
+          <a:chOff x="0" y="0"/>
+          <a:chExt cx="0" cy="0"/>
+        </a:xfrm>
+      </p:grpSpPr>
+      <p:sp>
+        <p:nvSpPr>
+          <p:cNvPr id="4" name="标题 3"/>
+          <p:cNvSpPr>
+            <a:spLocks noGrp="1"/>
+          </p:cNvSpPr>
+          <p:nvPr>
+            <p:ph type="ctrTitle"/>
+          </p:nvPr>
+        </p:nvSpPr>
+        <p:spPr/>
+        <p:txBody>
+          <a:bodyPr/>
+          <a:lstStyle/>
+          <a:p>
+            <a:endParaRPr lang="en-US"/>
+          </a:p>
+        </p:txBody>
+      </p:sp>
+      <p:sp>
+        <p:nvSpPr>
+          <p:cNvPr id="5" name="副标题 4"/>
+          <p:cNvSpPr>
+            <a:spLocks noGrp="1"/>
+          </p:cNvSpPr>
+          <p:nvPr>
+            <p:ph type="subTitle" idx="1"/>
+          </p:nvPr>
+        </p:nvSpPr>
+        <p:spPr/>
+        <p:txBody>
+          <a:bodyPr/>
+          <a:lstStyle/>
+          <a:p>
+            <a:endParaRPr lang="en-US"/>
+          </a:p>
+        </p:txBody>
+      </p:sp>
+      <p:sp useBgFill="1">
+        <p:nvSpPr>
+          <p:cNvPr id="6" name="Rectangle 27">
+            <a:extLst>
+              <a:ext uri="{FF2B5EF4-FFF2-40B4-BE49-F238E27FC236}">
+                <a16:creationId xmlns:a16="http://schemas.microsoft.com/office/drawing/2014/main" id="{26B4480E-B7FF-4481-890E-043A69AE6FE2}"/>
+              </a:ext>
+              <a:ext uri="{C183D7F6-B498-43B3-948B-1728B52AA6E4}">
+                <adec:decorative xmlns:adec="http://schemas.microsoft.com/office/drawing/2017/decorative" val="1"/>
+              </a:ext>
+            </a:extLst>
+          </p:cNvPr>
+          <p:cNvSpPr>
+            <a:spLocks noGrp="1" noRot="1" noChangeAspect="1" noMove="1" noResize="1" noEditPoints="1" noAdjustHandles="1" noChangeArrowheads="1" noChangeShapeType="1" noTextEdit="1"/>
+          </p:cNvSpPr>
+          <p:nvPr>
+            <p:extLst>
+              <p:ext uri="{386F3935-93C4-4BCD-93E2-E3B085C9AB24}">
+                <p16:designElem xmlns:p16="http://schemas.microsoft.com/office/powerpoint/2015/main" val="1"/>
+              </p:ext>
+            </p:extLst>
+          </p:nvPr>
+        </p:nvSpPr>
+        <p:spPr>
+          <a:xfrm>
+            <a:off x="0" y="0"/>
+            <a:ext cx="12192000" cy="6858000"/>
+          </a:xfrm>
+          <a:prstGeom prst="rect">
+            <a:avLst/>
+          </a:prstGeom>
+          <a:ln>
+            <a:noFill/>
+          </a:ln>
+        </p:spPr>
+        <p:style>
+          <a:lnRef idx="2">
+            <a:schemeClr val="accent1">
+              <a:shade val="50000"/>
+            </a:schemeClr>
+          </a:lnRef>
+          <a:fillRef idx="1">
+            <a:schemeClr val="accent1"/>
+          </a:fillRef>
+          <a:effectRef idx="0">
+            <a:schemeClr val="accent1"/>
+          </a:effectRef>
+          <a:fontRef idx="minor">
+            <a:schemeClr val="lt1"/>
+          </a:fontRef>
+        </p:style>
+        <p:txBody>
+          <a:bodyPr rtlCol="0" anchor="ctr"/>
+          <a:lstStyle/>
+          <a:p>
+            <a:pPr algn="ctr"/>
+            <a:endParaRPr lang="en-US"/>
+          </a:p>
+        </p:txBody>
+      </p:sp>
+      <p:grpSp>
+        <p:nvGrpSpPr>
+          <p:cNvPr id="7" name="Group 29">
+            <a:extLst>
+              <a:ext uri="{FF2B5EF4-FFF2-40B4-BE49-F238E27FC236}">
+                <a16:creationId xmlns:a16="http://schemas.microsoft.com/office/drawing/2014/main" id="{79394E1F-0B5F-497D-B2A6-8383A2A54834}"/>
+              </a:ext>
+              <a:ext uri="{C183D7F6-B498-43B3-948B-1728B52AA6E4}">
+                <adec:decorative xmlns:adec="http://schemas.microsoft.com/office/drawing/2017/decorative" val="1"/>
+              </a:ext>
+            </a:extLst>
+          </p:cNvPr>
+          <p:cNvGrpSpPr>
+            <a:grpSpLocks noGrp="1" noUngrp="1" noRot="1" noChangeAspect="1" noMove="1" noResize="1"/>
+          </p:cNvGrpSpPr>
+          <p:nvPr>
+            <p:extLst>
+              <p:ext uri="{386F3935-93C4-4BCD-93E2-E3B085C9AB24}">
+                <p16:designElem xmlns:p16="http://schemas.microsoft.com/office/powerpoint/2015/main" val="1"/>
+              </p:ext>
+            </p:extLst>
+          </p:nvPr>
+        </p:nvGrpSpPr>
+        <p:grpSpPr>
+          <a:xfrm>
+            <a:off x="438068" y="457200"/>
+            <a:ext cx="3703320" cy="5935133"/>
+            <a:chOff x="438068" y="457200"/>
+            <a:chExt cx="3703320" cy="5935133"/>
+          </a:xfrm>
+        </p:grpSpPr>
+        <p:sp>
+          <p:nvSpPr>
+            <p:cNvPr id="8" name="Rectangle 30">
+              <a:extLst>
+                <a:ext uri="{FF2B5EF4-FFF2-40B4-BE49-F238E27FC236}">
+                  <a16:creationId xmlns:a16="http://schemas.microsoft.com/office/drawing/2014/main" id="{1F1FF39A-AC3C-4066-9D4C-519AA22812EA}"/>
+                </a:ext>
+                <a:ext uri="{C183D7F6-B498-43B3-948B-1728B52AA6E4}">
+                  <adec:decorative xmlns:adec="http://schemas.microsoft.com/office/drawing/2017/decorative" val="1"/>
+                </a:ext>
+              </a:extLst>
+            </p:cNvPr>
+            <p:cNvSpPr/>
+            <p:nvPr>
+              <p:extLst>
+                <p:ext uri="{386F3935-93C4-4BCD-93E2-E3B085C9AB24}">
+                  <p16:designElem xmlns:p16="http://schemas.microsoft.com/office/powerpoint/2015/main" val="1"/>
+                </p:ext>
+              </p:extLst>
+            </p:nvPr>
+          </p:nvSpPr>
+          <p:spPr>
+            <a:xfrm>
+              <a:off x="438068" y="601201"/>
+              <a:ext cx="3702134" cy="5791132"/>
+            </a:xfrm>
+            <a:prstGeom prst="rect">
+              <a:avLst/>
+            </a:prstGeom>
+            <a:solidFill>
+              <a:srgbClr val="465359">
+                <a:alpha val="97000"/>
+              </a:srgbClr>
+            </a:solidFill>
+            <a:ln w="6350" cmpd="sng">
+              <a:noFill/>
+            </a:ln>
+            <a:effectLst/>
+          </p:spPr>
+          <p:style>
+            <a:lnRef idx="1">
+              <a:schemeClr val="accent1"/>
+            </a:lnRef>
+            <a:fillRef idx="3">
+              <a:schemeClr val="accent1"/>
+            </a:fillRef>
+            <a:effectRef idx="2">
+              <a:schemeClr val="accent1"/>
+            </a:effectRef>
+            <a:fontRef idx="minor">
+              <a:schemeClr val="lt1"/>
+            </a:fontRef>
+          </p:style>
+        </p:sp>
+        <p:sp>
+          <p:nvSpPr>
+            <p:cNvPr id="9" name="Rectangle 31">
+              <a:extLst>
+                <a:ext uri="{FF2B5EF4-FFF2-40B4-BE49-F238E27FC236}">
+                  <a16:creationId xmlns:a16="http://schemas.microsoft.com/office/drawing/2014/main" id="{64C13BAB-7C00-4D21-A857-E3D41C0A2A66}"/>
+                </a:ext>
+                <a:ext uri="{C183D7F6-B498-43B3-948B-1728B52AA6E4}">
+                  <adec:decorative xmlns:adec="http://schemas.microsoft.com/office/drawing/2017/decorative" val="1"/>
+                </a:ext>
+              </a:extLst>
+            </p:cNvPr>
+            <p:cNvSpPr/>
+            <p:nvPr>
+              <p:extLst>
+                <p:ext uri="{386F3935-93C4-4BCD-93E2-E3B085C9AB24}">
+                  <p16:designElem xmlns:p16="http://schemas.microsoft.com/office/powerpoint/2015/main" val="1"/>
+                </p:ext>
+              </p:extLst>
+            </p:nvPr>
+          </p:nvSpPr>
+          <p:spPr>
+            <a:xfrm>
+              <a:off x="438068" y="457200"/>
+              <a:ext cx="3703320" cy="94997"/>
+            </a:xfrm>
+            <a:prstGeom prst="rect">
+              <a:avLst/>
+            </a:prstGeom>
+            <a:solidFill>
+              <a:srgbClr val="465359"/>
+            </a:solidFill>
+            <a:ln>
+              <a:noFill/>
+            </a:ln>
+            <a:effectLst/>
+          </p:spPr>
+          <p:style>
+            <a:lnRef idx="1">
+              <a:schemeClr val="accent1"/>
+            </a:lnRef>
+            <a:fillRef idx="3">
+              <a:schemeClr val="accent1"/>
+            </a:fillRef>
+            <a:effectRef idx="2">
+              <a:schemeClr val="accent1"/>
+            </a:effectRef>
+            <a:fontRef idx="minor">
+              <a:schemeClr val="lt1"/>
+            </a:fontRef>
+          </p:style>
+        </p:sp>
+      </p:grpSp>
+      <p:sp>
+        <p:nvSpPr>
+          <p:cNvPr id="10" name="TextBox 5">
+            <a:extLst>
+              <a:ext uri="{FF2B5EF4-FFF2-40B4-BE49-F238E27FC236}">
+                <a16:creationId xmlns:a16="http://schemas.microsoft.com/office/drawing/2014/main" id="{C9441A13-ACB5-4F63-8828-44062BF47193}"/>
+              </a:ext>
+            </a:extLst>
+          </p:cNvPr>
+          <p:cNvSpPr txBox="1"/>
+          <p:nvPr/>
+        </p:nvSpPr>
+        <p:spPr>
+          <a:xfrm>
+            <a:off x="690903" y="1857828"/>
+            <a:ext cx="3412067" cy="2462385"/>
+          </a:xfrm>
+          <a:prstGeom prst="rect">
+            <a:avLst/>
+          </a:prstGeom>
+        </p:spPr>
+        <p:txBody>
+          <a:bodyPr vert="horz" lIns="91440" tIns="45720" rIns="91440" bIns="45720" rtlCol="0" anchor="b">
+            <a:normAutofit/>
+          </a:bodyPr>
+          <a:lstStyle/>
+          <a:p>
+            <a:pPr defTabSz="457200">
+              <a:spcBef>
+                <a:spcPct val="0"/>
+              </a:spcBef>
+              <a:spcAft>
+                <a:spcPts val="600"/>
+              </a:spcAft>
+            </a:pPr>
+            <a:r>
+              <a:rPr lang="en-US" sz="2400" cap="all" dirty="0">
+                <a:solidFill>
+                  <a:srgbClr val="FFFFFF"/>
+                </a:solidFill>
+                <a:latin typeface="+mj-lt"/>
+                <a:ea typeface="+mj-ea"/>
+                <a:cs typeface="+mj-cs"/>
+              </a:rPr>
+              <a:t>TIMELINE OF SPRINTS </a:t>
+            </a:r>
+          </a:p>
+          <a:p>
+            <a:pPr defTabSz="457200">
+              <a:spcBef>
+                <a:spcPct val="0"/>
+              </a:spcBef>
+              <a:spcAft>
+                <a:spcPts val="600"/>
+              </a:spcAft>
+            </a:pPr>
+            <a:endParaRPr lang="en-US" sz="3600" cap="all" dirty="0">
+              <a:solidFill>
+                <a:srgbClr val="FFFFFF"/>
+              </a:solidFill>
+              <a:latin typeface="+mj-lt"/>
+              <a:ea typeface="+mj-ea"/>
+              <a:cs typeface="+mj-cs"/>
+            </a:endParaRPr>
+          </a:p>
+        </p:txBody>
+      </p:sp>
+      <p:pic>
+        <p:nvPicPr>
+          <p:cNvPr id="11" name="图片 10"/>
+          <p:cNvPicPr>
+            <a:picLocks noChangeAspect="1"/>
+          </p:cNvPicPr>
+          <p:nvPr/>
+        </p:nvPicPr>
+        <p:blipFill>
+          <a:blip r:embed="rId2">
+            <a:extLst>
+              <a:ext uri="{28A0092B-C50C-407E-A947-70E740481C1C}">
+                <a14:useLocalDpi xmlns:a14="http://schemas.microsoft.com/office/drawing/2010/main" val="0"/>
+              </a:ext>
+            </a:extLst>
+          </a:blip>
+          <a:stretch>
+            <a:fillRect/>
+          </a:stretch>
+        </p:blipFill>
+        <p:spPr>
+          <a:xfrm>
+            <a:off x="4288069" y="1696412"/>
+            <a:ext cx="7760099" cy="3803845"/>
+          </a:xfrm>
+          <a:prstGeom prst="rect">
+            <a:avLst/>
+          </a:prstGeom>
+        </p:spPr>
+      </p:pic>
+    </p:spTree>
+    <p:extLst>
+      <p:ext uri="{BB962C8B-B14F-4D97-AF65-F5344CB8AC3E}">
+        <p14:creationId xmlns:p14="http://schemas.microsoft.com/office/powerpoint/2010/main" val="3686181437"/>
       </p:ext>
     </p:extLst>
   </p:cSld>
